--- a/trunk/docs/Seguiment.pptx
+++ b/trunk/docs/Seguiment.pptx
@@ -148,6 +148,36 @@
               <a:noFill/>
             </a:ln>
           </c:spPr>
+          <c:dPt>
+            <c:idx val="1"/>
+            <c:marker>
+              <c:spPr>
+                <a:solidFill>
+                  <a:srgbClr val="FF0000"/>
+                </a:solidFill>
+                <a:ln>
+                  <a:solidFill>
+                    <a:srgbClr val="C00000"/>
+                  </a:solidFill>
+                </a:ln>
+              </c:spPr>
+            </c:marker>
+          </c:dPt>
+          <c:dPt>
+            <c:idx val="4"/>
+            <c:marker>
+              <c:spPr>
+                <a:solidFill>
+                  <a:srgbClr val="FFFF00"/>
+                </a:solidFill>
+                <a:ln>
+                  <a:solidFill>
+                    <a:srgbClr val="FAD600"/>
+                  </a:solidFill>
+                </a:ln>
+              </c:spPr>
+            </c:marker>
+          </c:dPt>
           <c:dLbls>
             <c:dLbl>
               <c:idx val="0"/>
@@ -264,13 +294,13 @@
                 <c:formatCode>General</c:formatCode>
                 <c:ptCount val="6"/>
                 <c:pt idx="0">
-                  <c:v>0.60000000000000042</c:v>
+                  <c:v>0.60000000000000053</c:v>
                 </c:pt>
                 <c:pt idx="1">
-                  <c:v>0.30000000000000021</c:v>
+                  <c:v>0.30000000000000027</c:v>
                 </c:pt>
                 <c:pt idx="2">
-                  <c:v>0.30000000000000021</c:v>
+                  <c:v>0.30000000000000027</c:v>
                 </c:pt>
                 <c:pt idx="3">
                   <c:v>0.2</c:v>
@@ -300,23 +330,23 @@
                   <c:v>0.5</c:v>
                 </c:pt>
                 <c:pt idx="3">
-                  <c:v>0.60000000000000042</c:v>
+                  <c:v>0.60000000000000053</c:v>
                 </c:pt>
                 <c:pt idx="4">
                   <c:v>0.2</c:v>
                 </c:pt>
                 <c:pt idx="5">
-                  <c:v>0.30000000000000021</c:v>
+                  <c:v>0.30000000000000027</c:v>
                 </c:pt>
               </c:numCache>
             </c:numRef>
           </c:yVal>
         </c:ser>
-        <c:axId val="62744832"/>
-        <c:axId val="62763392"/>
+        <c:axId val="62836736"/>
+        <c:axId val="62838656"/>
       </c:scatterChart>
       <c:valAx>
-        <c:axId val="62744832"/>
+        <c:axId val="62836736"/>
         <c:scaling>
           <c:orientation val="minMax"/>
         </c:scaling>
@@ -353,12 +383,12 @@
             <a:endParaRPr lang="es-ES"/>
           </a:p>
         </c:txPr>
-        <c:crossAx val="62763392"/>
+        <c:crossAx val="62838656"/>
         <c:crosses val="autoZero"/>
         <c:crossBetween val="midCat"/>
       </c:valAx>
       <c:valAx>
-        <c:axId val="62763392"/>
+        <c:axId val="62838656"/>
         <c:scaling>
           <c:orientation val="minMax"/>
         </c:scaling>
@@ -395,7 +425,7 @@
             <a:endParaRPr lang="es-ES"/>
           </a:p>
         </c:txPr>
-        <c:crossAx val="62744832"/>
+        <c:crossAx val="62836736"/>
         <c:crosses val="autoZero"/>
         <c:crossBetween val="midCat"/>
       </c:valAx>
@@ -1221,7 +1251,19 @@
           <a:pPr rtl="0"/>
           <a:r>
             <a:rPr lang="pt-BR" strike="noStrike" dirty="0" smtClean="0"/>
-            <a:t>No trobem cap manera de cercar arxius amb DHT</a:t>
+            <a:t>1. Cerca d’</a:t>
+          </a:r>
+          <a:r>
+            <a:rPr lang="pt-BR" strike="noStrike" dirty="0" err="1" smtClean="0"/>
+            <a:t>arxius</a:t>
+          </a:r>
+          <a:r>
+            <a:rPr lang="pt-BR" strike="noStrike" dirty="0" smtClean="0"/>
+            <a:t> </a:t>
+          </a:r>
+          <a:r>
+            <a:rPr lang="pt-BR" strike="noStrike" dirty="0" smtClean="0"/>
+            <a:t>amb DHT</a:t>
           </a:r>
           <a:endParaRPr lang="es-ES" strike="noStrike" dirty="0"/>
         </a:p>
@@ -1259,7 +1301,11 @@
           <a:pPr rtl="0"/>
           <a:r>
             <a:rPr lang="pt-BR" strike="noStrike" dirty="0" smtClean="0"/>
-            <a:t>No aconseguim fer funcionar els threads de Java</a:t>
+            <a:t>2. No </a:t>
+          </a:r>
+          <a:r>
+            <a:rPr lang="pt-BR" strike="noStrike" dirty="0" smtClean="0"/>
+            <a:t>aconseguim fer funcionar els threads de Java</a:t>
           </a:r>
           <a:endParaRPr lang="es-ES" strike="noStrike" dirty="0"/>
         </a:p>
@@ -1296,16 +1342,12 @@
         <a:p>
           <a:pPr rtl="0"/>
           <a:r>
-            <a:rPr lang="es-ES" dirty="0" err="1" smtClean="0"/>
-            <a:t>Problemes</a:t>
-          </a:r>
-          <a:r>
             <a:rPr lang="es-ES" dirty="0" smtClean="0"/>
-            <a:t> al transferir </a:t>
+            <a:t>3. </a:t>
           </a:r>
           <a:r>
             <a:rPr lang="es-ES" dirty="0" err="1" smtClean="0"/>
-            <a:t>cançons</a:t>
+            <a:t>Problemes</a:t>
           </a:r>
           <a:r>
             <a:rPr lang="es-ES" dirty="0" smtClean="0"/>
@@ -1317,7 +1359,11 @@
           </a:r>
           <a:r>
             <a:rPr lang="es-ES" dirty="0" smtClean="0"/>
-            <a:t> JXTA</a:t>
+            <a:t> </a:t>
+          </a:r>
+          <a:r>
+            <a:rPr lang="es-ES" dirty="0" smtClean="0"/>
+            <a:t>JXTA</a:t>
           </a:r>
           <a:endParaRPr lang="es-ES" dirty="0"/>
         </a:p>
@@ -1354,24 +1400,12 @@
         <a:p>
           <a:pPr rtl="0"/>
           <a:r>
-            <a:rPr lang="es-ES" strike="noStrike" dirty="0" err="1" smtClean="0"/>
-            <a:t>Problemes</a:t>
-          </a:r>
-          <a:r>
             <a:rPr lang="es-ES" strike="noStrike" dirty="0" smtClean="0"/>
-            <a:t> </a:t>
+            <a:t>4. </a:t>
           </a:r>
           <a:r>
             <a:rPr lang="es-ES" strike="noStrike" dirty="0" err="1" smtClean="0"/>
-            <a:t>amb</a:t>
-          </a:r>
-          <a:r>
-            <a:rPr lang="es-ES" strike="noStrike" dirty="0" smtClean="0"/>
-            <a:t> les </a:t>
-          </a:r>
-          <a:r>
-            <a:rPr lang="es-ES" strike="noStrike" dirty="0" err="1" smtClean="0"/>
-            <a:t>llicencies</a:t>
+            <a:t>Llicències</a:t>
           </a:r>
           <a:r>
             <a:rPr lang="es-ES" strike="noStrike" dirty="0" smtClean="0"/>
@@ -1383,7 +1417,11 @@
           </a:r>
           <a:r>
             <a:rPr lang="es-ES" strike="noStrike" dirty="0" smtClean="0"/>
-            <a:t> de </a:t>
+            <a:t> </a:t>
+          </a:r>
+          <a:r>
+            <a:rPr lang="es-ES" strike="noStrike" dirty="0" smtClean="0"/>
+            <a:t>de </a:t>
           </a:r>
           <a:r>
             <a:rPr lang="es-ES" strike="noStrike" dirty="0" err="1" smtClean="0"/>
@@ -1437,7 +1475,7 @@
           <a:pPr rtl="0"/>
           <a:r>
             <a:rPr lang="fr-FR" dirty="0" smtClean="0"/>
-            <a:t>No </a:t>
+            <a:t>5. No </a:t>
           </a:r>
           <a:r>
             <a:rPr lang="fr-FR" dirty="0" err="1" smtClean="0"/>
@@ -1502,12 +1540,12 @@
         <a:p>
           <a:pPr rtl="0"/>
           <a:r>
-            <a:rPr lang="es-ES" dirty="0" err="1" smtClean="0"/>
-            <a:t>Transformació</a:t>
+            <a:rPr lang="es-ES" smtClean="0"/>
+            <a:t>6. Transformació </a:t>
           </a:r>
           <a:r>
             <a:rPr lang="es-ES" dirty="0" smtClean="0"/>
-            <a:t> de les </a:t>
+            <a:t>de les </a:t>
           </a:r>
           <a:r>
             <a:rPr lang="es-ES" dirty="0" err="1" smtClean="0"/>
@@ -1727,8 +1765,8 @@
       </dsp:nvSpPr>
       <dsp:spPr>
         <a:xfrm>
-          <a:off x="0" y="79733"/>
-          <a:ext cx="4143404" cy="716040"/>
+          <a:off x="0" y="82695"/>
+          <a:ext cx="4143404" cy="715052"/>
         </a:xfrm>
         <a:prstGeom prst="roundRect">
           <a:avLst/>
@@ -1812,14 +1850,26 @@
           </a:pPr>
           <a:r>
             <a:rPr lang="pt-BR" sz="1800" strike="noStrike" kern="1200" dirty="0" smtClean="0"/>
-            <a:t>No trobem cap manera de cercar arxius amb DHT</a:t>
+            <a:t>1. Cerca d’</a:t>
+          </a:r>
+          <a:r>
+            <a:rPr lang="pt-BR" sz="1800" strike="noStrike" kern="1200" dirty="0" err="1" smtClean="0"/>
+            <a:t>arxius</a:t>
+          </a:r>
+          <a:r>
+            <a:rPr lang="pt-BR" sz="1800" strike="noStrike" kern="1200" dirty="0" smtClean="0"/>
+            <a:t> </a:t>
+          </a:r>
+          <a:r>
+            <a:rPr lang="pt-BR" sz="1800" strike="noStrike" kern="1200" dirty="0" smtClean="0"/>
+            <a:t>amb DHT</a:t>
           </a:r>
           <a:endParaRPr lang="es-ES" sz="1800" strike="noStrike" kern="1200" dirty="0"/>
         </a:p>
       </dsp:txBody>
       <dsp:txXfrm>
-        <a:off x="0" y="79733"/>
-        <a:ext cx="4143404" cy="716040"/>
+        <a:off x="0" y="82695"/>
+        <a:ext cx="4143404" cy="715052"/>
       </dsp:txXfrm>
     </dsp:sp>
     <dsp:sp modelId="{24E20627-32F6-4B89-8614-0E2D45A677C9}">
@@ -1829,8 +1879,8 @@
       </dsp:nvSpPr>
       <dsp:spPr>
         <a:xfrm>
-          <a:off x="0" y="847614"/>
-          <a:ext cx="4143404" cy="716040"/>
+          <a:off x="0" y="849588"/>
+          <a:ext cx="4143404" cy="715052"/>
         </a:xfrm>
         <a:prstGeom prst="roundRect">
           <a:avLst/>
@@ -1914,14 +1964,18 @@
           </a:pPr>
           <a:r>
             <a:rPr lang="pt-BR" sz="1800" strike="noStrike" kern="1200" dirty="0" smtClean="0"/>
-            <a:t>No aconseguim fer funcionar els threads de Java</a:t>
+            <a:t>2. No </a:t>
+          </a:r>
+          <a:r>
+            <a:rPr lang="pt-BR" sz="1800" strike="noStrike" kern="1200" dirty="0" smtClean="0"/>
+            <a:t>aconseguim fer funcionar els threads de Java</a:t>
           </a:r>
           <a:endParaRPr lang="es-ES" sz="1800" strike="noStrike" kern="1200" dirty="0"/>
         </a:p>
       </dsp:txBody>
       <dsp:txXfrm>
-        <a:off x="0" y="847614"/>
-        <a:ext cx="4143404" cy="716040"/>
+        <a:off x="0" y="849588"/>
+        <a:ext cx="4143404" cy="715052"/>
       </dsp:txXfrm>
     </dsp:sp>
     <dsp:sp modelId="{850B067D-2736-4F24-9145-3D01F136B809}">
@@ -1931,8 +1985,8 @@
       </dsp:nvSpPr>
       <dsp:spPr>
         <a:xfrm>
-          <a:off x="0" y="1615493"/>
-          <a:ext cx="4143404" cy="716040"/>
+          <a:off x="0" y="1616481"/>
+          <a:ext cx="4143404" cy="715052"/>
         </a:xfrm>
         <a:prstGeom prst="roundRect">
           <a:avLst/>
@@ -2015,16 +2069,12 @@
             </a:spcAft>
           </a:pPr>
           <a:r>
-            <a:rPr lang="es-ES" sz="1800" kern="1200" dirty="0" err="1" smtClean="0"/>
-            <a:t>Problemes</a:t>
-          </a:r>
-          <a:r>
             <a:rPr lang="es-ES" sz="1800" kern="1200" dirty="0" smtClean="0"/>
-            <a:t> al transferir </a:t>
+            <a:t>3. </a:t>
           </a:r>
           <a:r>
             <a:rPr lang="es-ES" sz="1800" kern="1200" dirty="0" err="1" smtClean="0"/>
-            <a:t>cançons</a:t>
+            <a:t>Problemes</a:t>
           </a:r>
           <a:r>
             <a:rPr lang="es-ES" sz="1800" kern="1200" dirty="0" smtClean="0"/>
@@ -2036,14 +2086,18 @@
           </a:r>
           <a:r>
             <a:rPr lang="es-ES" sz="1800" kern="1200" dirty="0" smtClean="0"/>
-            <a:t> JXTA</a:t>
+            <a:t> </a:t>
+          </a:r>
+          <a:r>
+            <a:rPr lang="es-ES" sz="1800" kern="1200" dirty="0" smtClean="0"/>
+            <a:t>JXTA</a:t>
           </a:r>
           <a:endParaRPr lang="es-ES" sz="1800" kern="1200" dirty="0"/>
         </a:p>
       </dsp:txBody>
       <dsp:txXfrm>
-        <a:off x="0" y="1615493"/>
-        <a:ext cx="4143404" cy="716040"/>
+        <a:off x="0" y="1616481"/>
+        <a:ext cx="4143404" cy="715052"/>
       </dsp:txXfrm>
     </dsp:sp>
     <dsp:sp modelId="{859F9A96-6C05-400A-861C-7C8CE1F79EE5}">
@@ -2054,7 +2108,7 @@
       <dsp:spPr>
         <a:xfrm>
           <a:off x="0" y="2383373"/>
-          <a:ext cx="4143404" cy="716040"/>
+          <a:ext cx="4143404" cy="715052"/>
         </a:xfrm>
         <a:prstGeom prst="roundRect">
           <a:avLst/>
@@ -2137,24 +2191,12 @@
             </a:spcAft>
           </a:pPr>
           <a:r>
-            <a:rPr lang="es-ES" sz="1800" strike="noStrike" kern="1200" dirty="0" err="1" smtClean="0"/>
-            <a:t>Problemes</a:t>
-          </a:r>
-          <a:r>
             <a:rPr lang="es-ES" sz="1800" strike="noStrike" kern="1200" dirty="0" smtClean="0"/>
-            <a:t> </a:t>
+            <a:t>4. </a:t>
           </a:r>
           <a:r>
             <a:rPr lang="es-ES" sz="1800" strike="noStrike" kern="1200" dirty="0" err="1" smtClean="0"/>
-            <a:t>amb</a:t>
-          </a:r>
-          <a:r>
-            <a:rPr lang="es-ES" sz="1800" strike="noStrike" kern="1200" dirty="0" smtClean="0"/>
-            <a:t> les </a:t>
-          </a:r>
-          <a:r>
-            <a:rPr lang="es-ES" sz="1800" strike="noStrike" kern="1200" dirty="0" err="1" smtClean="0"/>
-            <a:t>llicencies</a:t>
+            <a:t>Llicències</a:t>
           </a:r>
           <a:r>
             <a:rPr lang="es-ES" sz="1800" strike="noStrike" kern="1200" dirty="0" smtClean="0"/>
@@ -2166,7 +2208,11 @@
           </a:r>
           <a:r>
             <a:rPr lang="es-ES" sz="1800" strike="noStrike" kern="1200" dirty="0" smtClean="0"/>
-            <a:t> de </a:t>
+            <a:t> </a:t>
+          </a:r>
+          <a:r>
+            <a:rPr lang="es-ES" sz="1800" strike="noStrike" kern="1200" dirty="0" smtClean="0"/>
+            <a:t>de </a:t>
           </a:r>
           <a:r>
             <a:rPr lang="es-ES" sz="1800" strike="noStrike" kern="1200" dirty="0" err="1" smtClean="0"/>
@@ -2189,7 +2235,7 @@
       </dsp:txBody>
       <dsp:txXfrm>
         <a:off x="0" y="2383373"/>
-        <a:ext cx="4143404" cy="716040"/>
+        <a:ext cx="4143404" cy="715052"/>
       </dsp:txXfrm>
     </dsp:sp>
     <dsp:sp modelId="{54A6B5A7-CEB2-4F0A-B450-7F0814DDD5A8}">
@@ -2199,8 +2245,8 @@
       </dsp:nvSpPr>
       <dsp:spPr>
         <a:xfrm>
-          <a:off x="0" y="3151253"/>
-          <a:ext cx="4143404" cy="716040"/>
+          <a:off x="0" y="3150266"/>
+          <a:ext cx="4143404" cy="715052"/>
         </a:xfrm>
         <a:prstGeom prst="roundRect">
           <a:avLst/>
@@ -2284,7 +2330,7 @@
           </a:pPr>
           <a:r>
             <a:rPr lang="fr-FR" sz="1800" kern="1200" dirty="0" smtClean="0"/>
-            <a:t>No </a:t>
+            <a:t>5. No </a:t>
           </a:r>
           <a:r>
             <a:rPr lang="fr-FR" sz="1800" kern="1200" dirty="0" err="1" smtClean="0"/>
@@ -2318,8 +2364,8 @@
         </a:p>
       </dsp:txBody>
       <dsp:txXfrm>
-        <a:off x="0" y="3151253"/>
-        <a:ext cx="4143404" cy="716040"/>
+        <a:off x="0" y="3150266"/>
+        <a:ext cx="4143404" cy="715052"/>
       </dsp:txXfrm>
     </dsp:sp>
     <dsp:sp modelId="{89690020-72AC-41FD-8AEC-648E829CCBAB}">
@@ -2329,8 +2375,8 @@
       </dsp:nvSpPr>
       <dsp:spPr>
         <a:xfrm>
-          <a:off x="0" y="3919133"/>
-          <a:ext cx="4143404" cy="716040"/>
+          <a:off x="0" y="3917159"/>
+          <a:ext cx="4143404" cy="715052"/>
         </a:xfrm>
         <a:prstGeom prst="roundRect">
           <a:avLst/>
@@ -2413,12 +2459,12 @@
             </a:spcAft>
           </a:pPr>
           <a:r>
-            <a:rPr lang="es-ES" sz="1800" kern="1200" dirty="0" err="1" smtClean="0"/>
-            <a:t>Transformació</a:t>
+            <a:rPr lang="es-ES" sz="1800" kern="1200" smtClean="0"/>
+            <a:t>6. Transformació </a:t>
           </a:r>
           <a:r>
             <a:rPr lang="es-ES" sz="1800" kern="1200" dirty="0" smtClean="0"/>
-            <a:t> de les </a:t>
+            <a:t>de les </a:t>
           </a:r>
           <a:r>
             <a:rPr lang="es-ES" sz="1800" kern="1200" dirty="0" err="1" smtClean="0"/>
@@ -2432,8 +2478,8 @@
         </a:p>
       </dsp:txBody>
       <dsp:txXfrm>
-        <a:off x="0" y="3919133"/>
-        <a:ext cx="4143404" cy="716040"/>
+        <a:off x="0" y="3917159"/>
+        <a:ext cx="4143404" cy="715052"/>
       </dsp:txXfrm>
     </dsp:sp>
   </dsp:spTree>
@@ -3791,7 +3837,7 @@
             <a:fld id="{8CD7ACBC-2D7E-41B3-B0D1-6F96CB6F1A48}" type="slidenum">
               <a:rPr lang="es-ES" smtClean="0"/>
               <a:pPr/>
-              <a:t>‹#›</a:t>
+              <a:t>‹Nº›</a:t>
             </a:fld>
             <a:endParaRPr lang="es-ES"/>
           </a:p>
@@ -4047,7 +4093,7 @@
             <a:fld id="{DB5CB03D-52F8-45FC-9D51-CC9AF1B89DEC}" type="slidenum">
               <a:rPr/>
               <a:pPr/>
-              <a:t>‹#›</a:t>
+              <a:t>‹Nº›</a:t>
             </a:fld>
             <a:endParaRPr lang="es-ES"/>
           </a:p>
@@ -5163,7 +5209,7 @@
             <a:fld id="{D18737D0-1F07-487A-BC82-FDF5B924E95B}" type="slidenum">
               <a:rPr lang="es-ES" smtClean="0"/>
               <a:pPr/>
-              <a:t>‹#›</a:t>
+              <a:t>‹Nº›</a:t>
             </a:fld>
             <a:endParaRPr lang="es-ES"/>
           </a:p>
@@ -5350,7 +5396,7 @@
             <a:fld id="{D18737D0-1F07-487A-BC82-FDF5B924E95B}" type="slidenum">
               <a:rPr lang="es-ES" smtClean="0"/>
               <a:pPr/>
-              <a:t>‹#›</a:t>
+              <a:t>‹Nº›</a:t>
             </a:fld>
             <a:endParaRPr lang="es-ES"/>
           </a:p>
@@ -5537,7 +5583,7 @@
             <a:fld id="{D18737D0-1F07-487A-BC82-FDF5B924E95B}" type="slidenum">
               <a:rPr lang="es-ES" smtClean="0"/>
               <a:pPr/>
-              <a:t>‹#›</a:t>
+              <a:t>‹Nº›</a:t>
             </a:fld>
             <a:endParaRPr lang="es-ES"/>
           </a:p>
@@ -5724,7 +5770,7 @@
             <a:fld id="{D18737D0-1F07-487A-BC82-FDF5B924E95B}" type="slidenum">
               <a:rPr lang="es-ES" smtClean="0"/>
               <a:pPr/>
-              <a:t>‹#›</a:t>
+              <a:t>‹Nº›</a:t>
             </a:fld>
             <a:endParaRPr lang="es-ES"/>
           </a:p>
@@ -6107,7 +6153,7 @@
             <a:fld id="{D18737D0-1F07-487A-BC82-FDF5B924E95B}" type="slidenum">
               <a:rPr lang="es-ES" smtClean="0"/>
               <a:pPr/>
-              <a:t>‹#›</a:t>
+              <a:t>‹Nº›</a:t>
             </a:fld>
             <a:endParaRPr lang="es-ES"/>
           </a:p>
@@ -6383,7 +6429,7 @@
             <a:fld id="{D18737D0-1F07-487A-BC82-FDF5B924E95B}" type="slidenum">
               <a:rPr lang="es-ES" smtClean="0"/>
               <a:pPr/>
-              <a:t>‹#›</a:t>
+              <a:t>‹Nº›</a:t>
             </a:fld>
             <a:endParaRPr lang="es-ES"/>
           </a:p>
@@ -6770,7 +6816,7 @@
             <a:fld id="{D18737D0-1F07-487A-BC82-FDF5B924E95B}" type="slidenum">
               <a:rPr lang="es-ES" smtClean="0"/>
               <a:pPr/>
-              <a:t>‹#›</a:t>
+              <a:t>‹Nº›</a:t>
             </a:fld>
             <a:endParaRPr lang="es-ES"/>
           </a:p>
@@ -6893,7 +6939,7 @@
             <a:fld id="{D18737D0-1F07-487A-BC82-FDF5B924E95B}" type="slidenum">
               <a:rPr lang="es-ES" smtClean="0"/>
               <a:pPr/>
-              <a:t>‹#›</a:t>
+              <a:t>‹Nº›</a:t>
             </a:fld>
             <a:endParaRPr lang="es-ES"/>
           </a:p>
@@ -7075,7 +7121,7 @@
             <a:fld id="{D18737D0-1F07-487A-BC82-FDF5B924E95B}" type="slidenum">
               <a:rPr lang="es-ES" smtClean="0"/>
               <a:pPr/>
-              <a:t>‹#›</a:t>
+              <a:t>‹Nº›</a:t>
             </a:fld>
             <a:endParaRPr lang="es-ES"/>
           </a:p>
@@ -7411,7 +7457,7 @@
             <a:fld id="{D18737D0-1F07-487A-BC82-FDF5B924E95B}" type="slidenum">
               <a:rPr lang="es-ES" smtClean="0"/>
               <a:pPr/>
-              <a:t>‹#›</a:t>
+              <a:t>‹Nº›</a:t>
             </a:fld>
             <a:endParaRPr lang="es-ES"/>
           </a:p>
@@ -7782,7 +7828,7 @@
             <a:fld id="{D18737D0-1F07-487A-BC82-FDF5B924E95B}" type="slidenum">
               <a:rPr lang="es-ES" smtClean="0"/>
               <a:pPr/>
-              <a:t>‹#›</a:t>
+              <a:t>‹Nº›</a:t>
             </a:fld>
             <a:endParaRPr lang="es-ES"/>
           </a:p>
@@ -8249,7 +8295,7 @@
             <a:fld id="{D18737D0-1F07-487A-BC82-FDF5B924E95B}" type="slidenum">
               <a:rPr lang="es-ES" smtClean="0"/>
               <a:pPr/>
-              <a:t>‹#›</a:t>
+              <a:t>‹Nº›</a:t>
             </a:fld>
             <a:endParaRPr lang="es-ES"/>
           </a:p>
@@ -9023,11 +9069,7 @@
             </a:r>
             <a:r>
               <a:rPr lang="es-ES" dirty="0" smtClean="0"/>
-              <a:t> </a:t>
-            </a:r>
-            <a:r>
-              <a:rPr lang="es-ES" dirty="0" smtClean="0"/>
-              <a:t>= Speaker + Peer</a:t>
+              <a:t> = Speaker + Peer</a:t>
             </a:r>
           </a:p>
           <a:p>
@@ -9085,11 +9127,7 @@
             </a:r>
             <a:r>
               <a:rPr lang="es-ES" dirty="0" smtClean="0"/>
-              <a:t> </a:t>
-            </a:r>
-            <a:r>
-              <a:rPr lang="es-ES" dirty="0" smtClean="0"/>
-              <a:t>per </a:t>
+              <a:t> per </a:t>
             </a:r>
             <a:r>
               <a:rPr lang="es-ES" dirty="0" err="1" smtClean="0"/>
@@ -9262,6 +9300,52 @@
       </p:grpSpPr>
       <p:sp>
         <p:nvSpPr>
+          <p:cNvPr id="11" name="10 Rectángulo"/>
+          <p:cNvSpPr/>
+          <p:nvPr/>
+        </p:nvSpPr>
+        <p:spPr>
+          <a:xfrm>
+            <a:off x="466726" y="1571633"/>
+            <a:ext cx="8210549" cy="3000375"/>
+          </a:xfrm>
+          <a:prstGeom prst="rect">
+            <a:avLst/>
+          </a:prstGeom>
+          <a:solidFill>
+            <a:schemeClr val="bg1"/>
+          </a:solidFill>
+          <a:ln>
+            <a:noFill/>
+          </a:ln>
+        </p:spPr>
+        <p:style>
+          <a:lnRef idx="2">
+            <a:schemeClr val="accent1">
+              <a:shade val="50000"/>
+            </a:schemeClr>
+          </a:lnRef>
+          <a:fillRef idx="1">
+            <a:schemeClr val="accent1"/>
+          </a:fillRef>
+          <a:effectRef idx="0">
+            <a:schemeClr val="accent1"/>
+          </a:effectRef>
+          <a:fontRef idx="minor">
+            <a:schemeClr val="lt1"/>
+          </a:fontRef>
+        </p:style>
+        <p:txBody>
+          <a:bodyPr rtlCol="0" anchor="ctr"/>
+          <a:lstStyle/>
+          <a:p>
+            <a:pPr algn="ctr"/>
+            <a:endParaRPr lang="es-ES"/>
+          </a:p>
+        </p:txBody>
+      </p:sp>
+      <p:sp>
+        <p:nvSpPr>
           <p:cNvPr id="3" name="2 Título"/>
           <p:cNvSpPr>
             <a:spLocks noGrp="1"/>
@@ -9316,6 +9400,26 @@
           </a:p>
         </p:txBody>
       </p:sp>
+      <p:graphicFrame>
+        <p:nvGraphicFramePr>
+          <p:cNvPr id="10" name="9 Objeto"/>
+          <p:cNvGraphicFramePr>
+            <a:graphicFrameLocks noChangeAspect="1"/>
+          </p:cNvGraphicFramePr>
+          <p:nvPr/>
+        </p:nvGraphicFramePr>
+        <p:xfrm>
+          <a:off x="510382" y="1643060"/>
+          <a:ext cx="8123237" cy="2886075"/>
+        </p:xfrm>
+        <a:graphic>
+          <a:graphicData uri="http://schemas.openxmlformats.org/presentationml/2006/ole">
+            <p:oleObj spid="_x0000_s10245" name="Hoja de cálculo" r:id="rId4" imgW="10239471" imgH="3781507" progId="Excel.Sheet.12">
+              <p:embed/>
+            </p:oleObj>
+          </a:graphicData>
+        </a:graphic>
+      </p:graphicFrame>
     </p:spTree>
   </p:cSld>
   <p:clrMapOvr>
@@ -9404,6 +9508,72 @@
           </a:p>
         </p:txBody>
       </p:sp>
+      <p:sp>
+        <p:nvSpPr>
+          <p:cNvPr id="5" name="4 Rectángulo"/>
+          <p:cNvSpPr/>
+          <p:nvPr/>
+        </p:nvSpPr>
+        <p:spPr>
+          <a:xfrm>
+            <a:off x="466726" y="1571612"/>
+            <a:ext cx="8210549" cy="3676650"/>
+          </a:xfrm>
+          <a:prstGeom prst="rect">
+            <a:avLst/>
+          </a:prstGeom>
+          <a:solidFill>
+            <a:schemeClr val="bg1"/>
+          </a:solidFill>
+          <a:ln>
+            <a:noFill/>
+          </a:ln>
+        </p:spPr>
+        <p:style>
+          <a:lnRef idx="2">
+            <a:schemeClr val="accent1">
+              <a:shade val="50000"/>
+            </a:schemeClr>
+          </a:lnRef>
+          <a:fillRef idx="1">
+            <a:schemeClr val="accent1"/>
+          </a:fillRef>
+          <a:effectRef idx="0">
+            <a:schemeClr val="accent1"/>
+          </a:effectRef>
+          <a:fontRef idx="minor">
+            <a:schemeClr val="lt1"/>
+          </a:fontRef>
+        </p:style>
+        <p:txBody>
+          <a:bodyPr rtlCol="0" anchor="ctr"/>
+          <a:lstStyle/>
+          <a:p>
+            <a:pPr algn="ctr"/>
+            <a:endParaRPr lang="es-ES"/>
+          </a:p>
+        </p:txBody>
+      </p:sp>
+      <p:graphicFrame>
+        <p:nvGraphicFramePr>
+          <p:cNvPr id="6" name="5 Objeto"/>
+          <p:cNvGraphicFramePr>
+            <a:graphicFrameLocks noChangeAspect="1"/>
+          </p:cNvGraphicFramePr>
+          <p:nvPr/>
+        </p:nvGraphicFramePr>
+        <p:xfrm>
+          <a:off x="511175" y="1643049"/>
+          <a:ext cx="8152754" cy="3571886"/>
+        </p:xfrm>
+        <a:graphic>
+          <a:graphicData uri="http://schemas.openxmlformats.org/presentationml/2006/ole">
+            <p:oleObj spid="_x0000_s8193" name="Hoja de cálculo" r:id="rId4" imgW="10686993" imgH="4781431" progId="Excel.Sheet.12">
+              <p:embed/>
+            </p:oleObj>
+          </a:graphicData>
+        </a:graphic>
+      </p:graphicFrame>
     </p:spTree>
   </p:cSld>
   <p:clrMapOvr>
@@ -9492,6 +9662,72 @@
           </a:p>
         </p:txBody>
       </p:sp>
+      <p:sp>
+        <p:nvSpPr>
+          <p:cNvPr id="5" name="4 Rectángulo"/>
+          <p:cNvSpPr/>
+          <p:nvPr/>
+        </p:nvSpPr>
+        <p:spPr>
+          <a:xfrm>
+            <a:off x="466726" y="1571612"/>
+            <a:ext cx="8210549" cy="2657488"/>
+          </a:xfrm>
+          <a:prstGeom prst="rect">
+            <a:avLst/>
+          </a:prstGeom>
+          <a:solidFill>
+            <a:schemeClr val="bg1"/>
+          </a:solidFill>
+          <a:ln>
+            <a:noFill/>
+          </a:ln>
+        </p:spPr>
+        <p:style>
+          <a:lnRef idx="2">
+            <a:schemeClr val="accent1">
+              <a:shade val="50000"/>
+            </a:schemeClr>
+          </a:lnRef>
+          <a:fillRef idx="1">
+            <a:schemeClr val="accent1"/>
+          </a:fillRef>
+          <a:effectRef idx="0">
+            <a:schemeClr val="accent1"/>
+          </a:effectRef>
+          <a:fontRef idx="minor">
+            <a:schemeClr val="lt1"/>
+          </a:fontRef>
+        </p:style>
+        <p:txBody>
+          <a:bodyPr rtlCol="0" anchor="ctr"/>
+          <a:lstStyle/>
+          <a:p>
+            <a:pPr algn="ctr"/>
+            <a:endParaRPr lang="es-ES"/>
+          </a:p>
+        </p:txBody>
+      </p:sp>
+      <p:graphicFrame>
+        <p:nvGraphicFramePr>
+          <p:cNvPr id="6" name="5 Objeto"/>
+          <p:cNvGraphicFramePr>
+            <a:graphicFrameLocks noChangeAspect="1"/>
+          </p:cNvGraphicFramePr>
+          <p:nvPr/>
+        </p:nvGraphicFramePr>
+        <p:xfrm>
+          <a:off x="500063" y="1643063"/>
+          <a:ext cx="8153400" cy="2525712"/>
+        </p:xfrm>
+        <a:graphic>
+          <a:graphicData uri="http://schemas.openxmlformats.org/presentationml/2006/ole">
+            <p:oleObj spid="_x0000_s6145" name="Hoja de cálculo" r:id="rId4" imgW="10686993" imgH="3381248" progId="Excel.Sheet.12">
+              <p:embed/>
+            </p:oleObj>
+          </a:graphicData>
+        </a:graphic>
+      </p:graphicFrame>
     </p:spTree>
   </p:cSld>
   <p:clrMapOvr>

--- a/trunk/docs/Seguiment.pptx
+++ b/trunk/docs/Seguiment.pptx
@@ -10276,6 +10276,13 @@
   <p:clrMapOvr>
     <a:masterClrMapping/>
   </p:clrMapOvr>
+  <p:timing>
+    <p:tnLst>
+      <p:par>
+        <p:cTn id="1" dur="indefinite" restart="never" nodeType="tmRoot"/>
+      </p:par>
+    </p:tnLst>
+  </p:timing>
 </p:sld>
 </file>
 
